--- a/Presentaciones/Segundo Parcial/Introducción a POO con Java.pptx
+++ b/Presentaciones/Segundo Parcial/Introducción a POO con Java.pptx
@@ -4,6 +4,9 @@
   <p:sldMasterIdLst>
     <p:sldMasterId id="2147483660" r:id="rId1"/>
   </p:sldMasterIdLst>
+  <p:notesMasterIdLst>
+    <p:notesMasterId r:id="rId21"/>
+  </p:notesMasterIdLst>
   <p:sldIdLst>
     <p:sldId id="256" r:id="rId2"/>
     <p:sldId id="261" r:id="rId3"/>
@@ -22,6 +25,8 @@
     <p:sldId id="267" r:id="rId16"/>
     <p:sldId id="273" r:id="rId17"/>
     <p:sldId id="266" r:id="rId18"/>
+    <p:sldId id="274" r:id="rId19"/>
+    <p:sldId id="275" r:id="rId20"/>
   </p:sldIdLst>
   <p:sldSz cx="12192000" cy="6858000"/>
   <p:notesSz cx="6858000" cy="9144000"/>
@@ -120,7 +125,362 @@
       </a:defRPr>
     </a:lvl9pPr>
   </p:defaultTextStyle>
+  <p:extLst>
+    <p:ext uri="{EFAFB233-063F-42B5-8137-9DF3F51BA10A}">
+      <p15:sldGuideLst xmlns:p15="http://schemas.microsoft.com/office/powerpoint/2012/main"/>
+    </p:ext>
+  </p:extLst>
 </p:presentation>
+</file>
+
+<file path=ppt/notesMasters/notesMaster1.xml><?xml version="1.0" encoding="utf-8"?>
+<p:notesMaster xmlns:a="http://schemas.openxmlformats.org/drawingml/2006/main" xmlns:r="http://schemas.openxmlformats.org/officeDocument/2006/relationships" xmlns:p="http://schemas.openxmlformats.org/presentationml/2006/main">
+  <p:cSld>
+    <p:bg>
+      <p:bgRef idx="1001">
+        <a:schemeClr val="bg1"/>
+      </p:bgRef>
+    </p:bg>
+    <p:spTree>
+      <p:nvGrpSpPr>
+        <p:cNvPr id="1" name=""/>
+        <p:cNvGrpSpPr/>
+        <p:nvPr/>
+      </p:nvGrpSpPr>
+      <p:grpSpPr>
+        <a:xfrm>
+          <a:off x="0" y="0"/>
+          <a:ext cx="0" cy="0"/>
+          <a:chOff x="0" y="0"/>
+          <a:chExt cx="0" cy="0"/>
+        </a:xfrm>
+      </p:grpSpPr>
+      <p:sp>
+        <p:nvSpPr>
+          <p:cNvPr id="2" name="Header Placeholder 1"/>
+          <p:cNvSpPr>
+            <a:spLocks noGrp="1"/>
+          </p:cNvSpPr>
+          <p:nvPr>
+            <p:ph type="hdr" sz="quarter"/>
+          </p:nvPr>
+        </p:nvSpPr>
+        <p:spPr>
+          <a:xfrm>
+            <a:off x="0" y="0"/>
+            <a:ext cx="2971800" cy="458788"/>
+          </a:xfrm>
+          <a:prstGeom prst="rect">
+            <a:avLst/>
+          </a:prstGeom>
+        </p:spPr>
+        <p:txBody>
+          <a:bodyPr vert="horz" lIns="91440" tIns="45720" rIns="91440" bIns="45720" rtlCol="0"/>
+          <a:lstStyle>
+            <a:lvl1pPr algn="l">
+              <a:defRPr sz="1200"/>
+            </a:lvl1pPr>
+          </a:lstStyle>
+          <a:p>
+            <a:endParaRPr lang="es-MX"/>
+          </a:p>
+        </p:txBody>
+      </p:sp>
+      <p:sp>
+        <p:nvSpPr>
+          <p:cNvPr id="3" name="Date Placeholder 2"/>
+          <p:cNvSpPr>
+            <a:spLocks noGrp="1"/>
+          </p:cNvSpPr>
+          <p:nvPr>
+            <p:ph type="dt" idx="1"/>
+          </p:nvPr>
+        </p:nvSpPr>
+        <p:spPr>
+          <a:xfrm>
+            <a:off x="3884613" y="0"/>
+            <a:ext cx="2971800" cy="458788"/>
+          </a:xfrm>
+          <a:prstGeom prst="rect">
+            <a:avLst/>
+          </a:prstGeom>
+        </p:spPr>
+        <p:txBody>
+          <a:bodyPr vert="horz" lIns="91440" tIns="45720" rIns="91440" bIns="45720" rtlCol="0"/>
+          <a:lstStyle>
+            <a:lvl1pPr algn="r">
+              <a:defRPr sz="1200"/>
+            </a:lvl1pPr>
+          </a:lstStyle>
+          <a:p>
+            <a:fld id="{D1A1559E-F4A3-4CE2-8EA9-B30691CEBEDE}" type="datetimeFigureOut">
+              <a:rPr lang="es-MX" smtClean="0"/>
+              <a:t>13/10/2019</a:t>
+            </a:fld>
+            <a:endParaRPr lang="es-MX"/>
+          </a:p>
+        </p:txBody>
+      </p:sp>
+      <p:sp>
+        <p:nvSpPr>
+          <p:cNvPr id="4" name="Slide Image Placeholder 3"/>
+          <p:cNvSpPr>
+            <a:spLocks noGrp="1" noRot="1" noChangeAspect="1"/>
+          </p:cNvSpPr>
+          <p:nvPr>
+            <p:ph type="sldImg" idx="2"/>
+          </p:nvPr>
+        </p:nvSpPr>
+        <p:spPr>
+          <a:xfrm>
+            <a:off x="685800" y="1143000"/>
+            <a:ext cx="5486400" cy="3086100"/>
+          </a:xfrm>
+          <a:prstGeom prst="rect">
+            <a:avLst/>
+          </a:prstGeom>
+          <a:noFill/>
+          <a:ln w="12700">
+            <a:solidFill>
+              <a:prstClr val="black"/>
+            </a:solidFill>
+          </a:ln>
+        </p:spPr>
+        <p:txBody>
+          <a:bodyPr vert="horz" lIns="91440" tIns="45720" rIns="91440" bIns="45720" rtlCol="0" anchor="ctr"/>
+          <a:lstStyle/>
+          <a:p>
+            <a:endParaRPr lang="es-MX"/>
+          </a:p>
+        </p:txBody>
+      </p:sp>
+      <p:sp>
+        <p:nvSpPr>
+          <p:cNvPr id="5" name="Notes Placeholder 4"/>
+          <p:cNvSpPr>
+            <a:spLocks noGrp="1"/>
+          </p:cNvSpPr>
+          <p:nvPr>
+            <p:ph type="body" sz="quarter" idx="3"/>
+          </p:nvPr>
+        </p:nvSpPr>
+        <p:spPr>
+          <a:xfrm>
+            <a:off x="685800" y="4400550"/>
+            <a:ext cx="5486400" cy="3600450"/>
+          </a:xfrm>
+          <a:prstGeom prst="rect">
+            <a:avLst/>
+          </a:prstGeom>
+        </p:spPr>
+        <p:txBody>
+          <a:bodyPr vert="horz" lIns="91440" tIns="45720" rIns="91440" bIns="45720" rtlCol="0"/>
+          <a:lstStyle/>
+          <a:p>
+            <a:pPr lvl="0"/>
+            <a:r>
+              <a:rPr lang="en-US"/>
+              <a:t>Click to edit Master text styles</a:t>
+            </a:r>
+          </a:p>
+          <a:p>
+            <a:pPr lvl="1"/>
+            <a:r>
+              <a:rPr lang="en-US"/>
+              <a:t>Second level</a:t>
+            </a:r>
+          </a:p>
+          <a:p>
+            <a:pPr lvl="2"/>
+            <a:r>
+              <a:rPr lang="en-US"/>
+              <a:t>Third level</a:t>
+            </a:r>
+          </a:p>
+          <a:p>
+            <a:pPr lvl="3"/>
+            <a:r>
+              <a:rPr lang="en-US"/>
+              <a:t>Fourth level</a:t>
+            </a:r>
+          </a:p>
+          <a:p>
+            <a:pPr lvl="4"/>
+            <a:r>
+              <a:rPr lang="en-US"/>
+              <a:t>Fifth level</a:t>
+            </a:r>
+            <a:endParaRPr lang="es-MX"/>
+          </a:p>
+        </p:txBody>
+      </p:sp>
+      <p:sp>
+        <p:nvSpPr>
+          <p:cNvPr id="6" name="Footer Placeholder 5"/>
+          <p:cNvSpPr>
+            <a:spLocks noGrp="1"/>
+          </p:cNvSpPr>
+          <p:nvPr>
+            <p:ph type="ftr" sz="quarter" idx="4"/>
+          </p:nvPr>
+        </p:nvSpPr>
+        <p:spPr>
+          <a:xfrm>
+            <a:off x="0" y="8685213"/>
+            <a:ext cx="2971800" cy="458787"/>
+          </a:xfrm>
+          <a:prstGeom prst="rect">
+            <a:avLst/>
+          </a:prstGeom>
+        </p:spPr>
+        <p:txBody>
+          <a:bodyPr vert="horz" lIns="91440" tIns="45720" rIns="91440" bIns="45720" rtlCol="0" anchor="b"/>
+          <a:lstStyle>
+            <a:lvl1pPr algn="l">
+              <a:defRPr sz="1200"/>
+            </a:lvl1pPr>
+          </a:lstStyle>
+          <a:p>
+            <a:endParaRPr lang="es-MX"/>
+          </a:p>
+        </p:txBody>
+      </p:sp>
+      <p:sp>
+        <p:nvSpPr>
+          <p:cNvPr id="7" name="Slide Number Placeholder 6"/>
+          <p:cNvSpPr>
+            <a:spLocks noGrp="1"/>
+          </p:cNvSpPr>
+          <p:nvPr>
+            <p:ph type="sldNum" sz="quarter" idx="5"/>
+          </p:nvPr>
+        </p:nvSpPr>
+        <p:spPr>
+          <a:xfrm>
+            <a:off x="3884613" y="8685213"/>
+            <a:ext cx="2971800" cy="458787"/>
+          </a:xfrm>
+          <a:prstGeom prst="rect">
+            <a:avLst/>
+          </a:prstGeom>
+        </p:spPr>
+        <p:txBody>
+          <a:bodyPr vert="horz" lIns="91440" tIns="45720" rIns="91440" bIns="45720" rtlCol="0" anchor="b"/>
+          <a:lstStyle>
+            <a:lvl1pPr algn="r">
+              <a:defRPr sz="1200"/>
+            </a:lvl1pPr>
+          </a:lstStyle>
+          <a:p>
+            <a:fld id="{540A014F-2DBB-48CD-8265-52D013BA4516}" type="slidenum">
+              <a:rPr lang="es-MX" smtClean="0"/>
+              <a:t>‹Nº›</a:t>
+            </a:fld>
+            <a:endParaRPr lang="es-MX"/>
+          </a:p>
+        </p:txBody>
+      </p:sp>
+    </p:spTree>
+    <p:extLst>
+      <p:ext uri="{BB962C8B-B14F-4D97-AF65-F5344CB8AC3E}">
+        <p14:creationId xmlns:p14="http://schemas.microsoft.com/office/powerpoint/2010/main" val="3762846940"/>
+      </p:ext>
+    </p:extLst>
+  </p:cSld>
+  <p:clrMap bg1="lt1" tx1="dk1" bg2="lt2" tx2="dk2" accent1="accent1" accent2="accent2" accent3="accent3" accent4="accent4" accent5="accent5" accent6="accent6" hlink="hlink" folHlink="folHlink"/>
+  <p:notesStyle>
+    <a:lvl1pPr marL="0" algn="l" defTabSz="914400" rtl="0" eaLnBrk="1" latinLnBrk="0" hangingPunct="1">
+      <a:defRPr sz="1200" kern="1200">
+        <a:solidFill>
+          <a:schemeClr val="tx1"/>
+        </a:solidFill>
+        <a:latin typeface="+mn-lt"/>
+        <a:ea typeface="+mn-ea"/>
+        <a:cs typeface="+mn-cs"/>
+      </a:defRPr>
+    </a:lvl1pPr>
+    <a:lvl2pPr marL="457200" algn="l" defTabSz="914400" rtl="0" eaLnBrk="1" latinLnBrk="0" hangingPunct="1">
+      <a:defRPr sz="1200" kern="1200">
+        <a:solidFill>
+          <a:schemeClr val="tx1"/>
+        </a:solidFill>
+        <a:latin typeface="+mn-lt"/>
+        <a:ea typeface="+mn-ea"/>
+        <a:cs typeface="+mn-cs"/>
+      </a:defRPr>
+    </a:lvl2pPr>
+    <a:lvl3pPr marL="914400" algn="l" defTabSz="914400" rtl="0" eaLnBrk="1" latinLnBrk="0" hangingPunct="1">
+      <a:defRPr sz="1200" kern="1200">
+        <a:solidFill>
+          <a:schemeClr val="tx1"/>
+        </a:solidFill>
+        <a:latin typeface="+mn-lt"/>
+        <a:ea typeface="+mn-ea"/>
+        <a:cs typeface="+mn-cs"/>
+      </a:defRPr>
+    </a:lvl3pPr>
+    <a:lvl4pPr marL="1371600" algn="l" defTabSz="914400" rtl="0" eaLnBrk="1" latinLnBrk="0" hangingPunct="1">
+      <a:defRPr sz="1200" kern="1200">
+        <a:solidFill>
+          <a:schemeClr val="tx1"/>
+        </a:solidFill>
+        <a:latin typeface="+mn-lt"/>
+        <a:ea typeface="+mn-ea"/>
+        <a:cs typeface="+mn-cs"/>
+      </a:defRPr>
+    </a:lvl4pPr>
+    <a:lvl5pPr marL="1828800" algn="l" defTabSz="914400" rtl="0" eaLnBrk="1" latinLnBrk="0" hangingPunct="1">
+      <a:defRPr sz="1200" kern="1200">
+        <a:solidFill>
+          <a:schemeClr val="tx1"/>
+        </a:solidFill>
+        <a:latin typeface="+mn-lt"/>
+        <a:ea typeface="+mn-ea"/>
+        <a:cs typeface="+mn-cs"/>
+      </a:defRPr>
+    </a:lvl5pPr>
+    <a:lvl6pPr marL="2286000" algn="l" defTabSz="914400" rtl="0" eaLnBrk="1" latinLnBrk="0" hangingPunct="1">
+      <a:defRPr sz="1200" kern="1200">
+        <a:solidFill>
+          <a:schemeClr val="tx1"/>
+        </a:solidFill>
+        <a:latin typeface="+mn-lt"/>
+        <a:ea typeface="+mn-ea"/>
+        <a:cs typeface="+mn-cs"/>
+      </a:defRPr>
+    </a:lvl6pPr>
+    <a:lvl7pPr marL="2743200" algn="l" defTabSz="914400" rtl="0" eaLnBrk="1" latinLnBrk="0" hangingPunct="1">
+      <a:defRPr sz="1200" kern="1200">
+        <a:solidFill>
+          <a:schemeClr val="tx1"/>
+        </a:solidFill>
+        <a:latin typeface="+mn-lt"/>
+        <a:ea typeface="+mn-ea"/>
+        <a:cs typeface="+mn-cs"/>
+      </a:defRPr>
+    </a:lvl7pPr>
+    <a:lvl8pPr marL="3200400" algn="l" defTabSz="914400" rtl="0" eaLnBrk="1" latinLnBrk="0" hangingPunct="1">
+      <a:defRPr sz="1200" kern="1200">
+        <a:solidFill>
+          <a:schemeClr val="tx1"/>
+        </a:solidFill>
+        <a:latin typeface="+mn-lt"/>
+        <a:ea typeface="+mn-ea"/>
+        <a:cs typeface="+mn-cs"/>
+      </a:defRPr>
+    </a:lvl8pPr>
+    <a:lvl9pPr marL="3657600" algn="l" defTabSz="914400" rtl="0" eaLnBrk="1" latinLnBrk="0" hangingPunct="1">
+      <a:defRPr sz="1200" kern="1200">
+        <a:solidFill>
+          <a:schemeClr val="tx1"/>
+        </a:solidFill>
+        <a:latin typeface="+mn-lt"/>
+        <a:ea typeface="+mn-ea"/>
+        <a:cs typeface="+mn-cs"/>
+      </a:defRPr>
+    </a:lvl9pPr>
+  </p:notesStyle>
+</p:notesMaster>
 </file>
 
 <file path=ppt/slideLayouts/slideLayout1.xml><?xml version="1.0" encoding="utf-8"?>
@@ -297,9 +657,9 @@
           <a:bodyPr/>
           <a:lstStyle/>
           <a:p>
-            <a:fld id="{DABF1E0B-4688-4C93-A060-148C1C8C93EC}" type="datetimeFigureOut">
+            <a:fld id="{0EC7D720-E31F-470D-89B7-C19288CF78C8}" type="datetime1">
               <a:rPr lang="es-MX" smtClean="0"/>
-              <a:t>04/03/2019</a:t>
+              <a:t>13/10/2019</a:t>
             </a:fld>
             <a:endParaRPr lang="es-MX"/>
           </a:p>
@@ -320,7 +680,10 @@
           <a:bodyPr/>
           <a:lstStyle/>
           <a:p>
-            <a:endParaRPr lang="es-MX"/>
+            <a:r>
+              <a:rPr lang="es-MX"/>
+              <a:t>Lic. José Orihuela Sánchez Programación y Aplicaciones para la Web</a:t>
+            </a:r>
           </a:p>
         </p:txBody>
       </p:sp>
@@ -341,7 +704,7 @@
           <a:p>
             <a:fld id="{C464D6BF-F1B9-4580-ABB5-B0A299DCF47A}" type="slidenum">
               <a:rPr lang="es-MX" smtClean="0"/>
-              <a:t>‹#›</a:t>
+              <a:t>‹Nº›</a:t>
             </a:fld>
             <a:endParaRPr lang="es-MX"/>
           </a:p>
@@ -467,9 +830,9 @@
           <a:bodyPr/>
           <a:lstStyle/>
           <a:p>
-            <a:fld id="{DABF1E0B-4688-4C93-A060-148C1C8C93EC}" type="datetimeFigureOut">
+            <a:fld id="{AA7154D3-837F-41A3-BB24-D68DAB7FC5AF}" type="datetime1">
               <a:rPr lang="es-MX" smtClean="0"/>
-              <a:t>04/03/2019</a:t>
+              <a:t>13/10/2019</a:t>
             </a:fld>
             <a:endParaRPr lang="es-MX"/>
           </a:p>
@@ -490,7 +853,10 @@
           <a:bodyPr/>
           <a:lstStyle/>
           <a:p>
-            <a:endParaRPr lang="es-MX"/>
+            <a:r>
+              <a:rPr lang="es-MX"/>
+              <a:t>Lic. José Orihuela Sánchez Programación y Aplicaciones para la Web</a:t>
+            </a:r>
           </a:p>
         </p:txBody>
       </p:sp>
@@ -511,7 +877,7 @@
           <a:p>
             <a:fld id="{C464D6BF-F1B9-4580-ABB5-B0A299DCF47A}" type="slidenum">
               <a:rPr lang="es-MX" smtClean="0"/>
-              <a:t>‹#›</a:t>
+              <a:t>‹Nº›</a:t>
             </a:fld>
             <a:endParaRPr lang="es-MX"/>
           </a:p>
@@ -690,9 +1056,9 @@
           <a:bodyPr/>
           <a:lstStyle/>
           <a:p>
-            <a:fld id="{DABF1E0B-4688-4C93-A060-148C1C8C93EC}" type="datetimeFigureOut">
+            <a:fld id="{8D54622E-E709-4C28-9657-480FB1720515}" type="datetime1">
               <a:rPr lang="es-MX" smtClean="0"/>
-              <a:t>04/03/2019</a:t>
+              <a:t>13/10/2019</a:t>
             </a:fld>
             <a:endParaRPr lang="es-MX"/>
           </a:p>
@@ -718,7 +1084,10 @@
           <a:bodyPr/>
           <a:lstStyle/>
           <a:p>
-            <a:endParaRPr lang="es-MX"/>
+            <a:r>
+              <a:rPr lang="es-MX"/>
+              <a:t>Lic. José Orihuela Sánchez Programación y Aplicaciones para la Web</a:t>
+            </a:r>
           </a:p>
         </p:txBody>
       </p:sp>
@@ -744,7 +1113,7 @@
           <a:p>
             <a:fld id="{C464D6BF-F1B9-4580-ABB5-B0A299DCF47A}" type="slidenum">
               <a:rPr lang="es-MX" smtClean="0"/>
-              <a:t>‹#›</a:t>
+              <a:t>‹Nº›</a:t>
             </a:fld>
             <a:endParaRPr lang="es-MX"/>
           </a:p>
@@ -870,9 +1239,9 @@
           <a:bodyPr/>
           <a:lstStyle/>
           <a:p>
-            <a:fld id="{DABF1E0B-4688-4C93-A060-148C1C8C93EC}" type="datetimeFigureOut">
+            <a:fld id="{26B7E1E3-C797-4E9B-8F18-A7E1CCB42C60}" type="datetime1">
               <a:rPr lang="es-MX" smtClean="0"/>
-              <a:t>04/03/2019</a:t>
+              <a:t>13/10/2019</a:t>
             </a:fld>
             <a:endParaRPr lang="es-MX"/>
           </a:p>
@@ -893,7 +1262,10 @@
           <a:bodyPr/>
           <a:lstStyle/>
           <a:p>
-            <a:endParaRPr lang="es-MX"/>
+            <a:r>
+              <a:rPr lang="es-MX"/>
+              <a:t>Lic. José Orihuela Sánchez Programación y Aplicaciones para la Web</a:t>
+            </a:r>
           </a:p>
         </p:txBody>
       </p:sp>
@@ -914,7 +1286,7 @@
           <a:p>
             <a:fld id="{C464D6BF-F1B9-4580-ABB5-B0A299DCF47A}" type="slidenum">
               <a:rPr lang="es-MX" smtClean="0"/>
-              <a:t>‹#›</a:t>
+              <a:t>‹Nº›</a:t>
             </a:fld>
             <a:endParaRPr lang="es-MX"/>
           </a:p>
@@ -1176,9 +1548,9 @@
             </a:lvl1pPr>
           </a:lstStyle>
           <a:p>
-            <a:fld id="{DABF1E0B-4688-4C93-A060-148C1C8C93EC}" type="datetimeFigureOut">
+            <a:fld id="{D7F7B7C6-E449-43E3-91C6-C17A1DF64DCF}" type="datetime1">
               <a:rPr lang="es-MX" smtClean="0"/>
-              <a:t>04/03/2019</a:t>
+              <a:t>13/10/2019</a:t>
             </a:fld>
             <a:endParaRPr lang="es-MX"/>
           </a:p>
@@ -1207,7 +1579,10 @@
             </a:lvl1pPr>
           </a:lstStyle>
           <a:p>
-            <a:endParaRPr lang="es-MX"/>
+            <a:r>
+              <a:rPr lang="es-MX"/>
+              <a:t>Lic. José Orihuela Sánchez Programación y Aplicaciones para la Web</a:t>
+            </a:r>
           </a:p>
         </p:txBody>
       </p:sp>
@@ -1236,7 +1611,7 @@
           <a:p>
             <a:fld id="{C464D6BF-F1B9-4580-ABB5-B0A299DCF47A}" type="slidenum">
               <a:rPr lang="es-MX" smtClean="0"/>
-              <a:t>‹#›</a:t>
+              <a:t>‹Nº›</a:t>
             </a:fld>
             <a:endParaRPr lang="es-MX"/>
           </a:p>
@@ -1480,9 +1855,9 @@
           <a:bodyPr/>
           <a:lstStyle/>
           <a:p>
-            <a:fld id="{DABF1E0B-4688-4C93-A060-148C1C8C93EC}" type="datetimeFigureOut">
+            <a:fld id="{32E8D46E-6B04-4037-9B88-501829300B97}" type="datetime1">
               <a:rPr lang="es-MX" smtClean="0"/>
-              <a:t>04/03/2019</a:t>
+              <a:t>13/10/2019</a:t>
             </a:fld>
             <a:endParaRPr lang="es-MX"/>
           </a:p>
@@ -1503,7 +1878,10 @@
           <a:bodyPr/>
           <a:lstStyle/>
           <a:p>
-            <a:endParaRPr lang="es-MX"/>
+            <a:r>
+              <a:rPr lang="es-MX"/>
+              <a:t>Lic. José Orihuela Sánchez Programación y Aplicaciones para la Web</a:t>
+            </a:r>
           </a:p>
         </p:txBody>
       </p:sp>
@@ -1524,7 +1902,7 @@
           <a:p>
             <a:fld id="{C464D6BF-F1B9-4580-ABB5-B0A299DCF47A}" type="slidenum">
               <a:rPr lang="es-MX" smtClean="0"/>
-              <a:t>‹#›</a:t>
+              <a:t>‹Nº›</a:t>
             </a:fld>
             <a:endParaRPr lang="es-MX"/>
           </a:p>
@@ -1902,9 +2280,9 @@
           <a:bodyPr/>
           <a:lstStyle/>
           <a:p>
-            <a:fld id="{DABF1E0B-4688-4C93-A060-148C1C8C93EC}" type="datetimeFigureOut">
+            <a:fld id="{65A6AC77-86AB-4012-9D7F-A2010468C924}" type="datetime1">
               <a:rPr lang="es-MX" smtClean="0"/>
-              <a:t>04/03/2019</a:t>
+              <a:t>13/10/2019</a:t>
             </a:fld>
             <a:endParaRPr lang="es-MX"/>
           </a:p>
@@ -1925,7 +2303,10 @@
           <a:bodyPr/>
           <a:lstStyle/>
           <a:p>
-            <a:endParaRPr lang="es-MX"/>
+            <a:r>
+              <a:rPr lang="es-MX"/>
+              <a:t>Lic. José Orihuela Sánchez Programación y Aplicaciones para la Web</a:t>
+            </a:r>
           </a:p>
         </p:txBody>
       </p:sp>
@@ -1946,7 +2327,7 @@
           <a:p>
             <a:fld id="{C464D6BF-F1B9-4580-ABB5-B0A299DCF47A}" type="slidenum">
               <a:rPr lang="es-MX" smtClean="0"/>
-              <a:t>‹#›</a:t>
+              <a:t>‹Nº›</a:t>
             </a:fld>
             <a:endParaRPr lang="es-MX"/>
           </a:p>
@@ -2020,9 +2401,9 @@
           <a:bodyPr/>
           <a:lstStyle/>
           <a:p>
-            <a:fld id="{DABF1E0B-4688-4C93-A060-148C1C8C93EC}" type="datetimeFigureOut">
+            <a:fld id="{51225122-1386-4DA7-BD7F-7E2D7BF7F481}" type="datetime1">
               <a:rPr lang="es-MX" smtClean="0"/>
-              <a:t>04/03/2019</a:t>
+              <a:t>13/10/2019</a:t>
             </a:fld>
             <a:endParaRPr lang="es-MX"/>
           </a:p>
@@ -2043,7 +2424,10 @@
           <a:bodyPr/>
           <a:lstStyle/>
           <a:p>
-            <a:endParaRPr lang="es-MX"/>
+            <a:r>
+              <a:rPr lang="es-MX"/>
+              <a:t>Lic. José Orihuela Sánchez Programación y Aplicaciones para la Web</a:t>
+            </a:r>
           </a:p>
         </p:txBody>
       </p:sp>
@@ -2064,7 +2448,7 @@
           <a:p>
             <a:fld id="{C464D6BF-F1B9-4580-ABB5-B0A299DCF47A}" type="slidenum">
               <a:rPr lang="es-MX" smtClean="0"/>
-              <a:t>‹#›</a:t>
+              <a:t>‹Nº›</a:t>
             </a:fld>
             <a:endParaRPr lang="es-MX"/>
           </a:p>
@@ -2115,9 +2499,9 @@
           <a:bodyPr/>
           <a:lstStyle/>
           <a:p>
-            <a:fld id="{DABF1E0B-4688-4C93-A060-148C1C8C93EC}" type="datetimeFigureOut">
+            <a:fld id="{D5313C55-7C68-49F8-A153-121291019D21}" type="datetime1">
               <a:rPr lang="es-MX" smtClean="0"/>
-              <a:t>04/03/2019</a:t>
+              <a:t>13/10/2019</a:t>
             </a:fld>
             <a:endParaRPr lang="es-MX"/>
           </a:p>
@@ -2138,7 +2522,10 @@
           <a:bodyPr/>
           <a:lstStyle/>
           <a:p>
-            <a:endParaRPr lang="es-MX"/>
+            <a:r>
+              <a:rPr lang="es-MX"/>
+              <a:t>Lic. José Orihuela Sánchez Programación y Aplicaciones para la Web</a:t>
+            </a:r>
           </a:p>
         </p:txBody>
       </p:sp>
@@ -2159,7 +2546,7 @@
           <a:p>
             <a:fld id="{C464D6BF-F1B9-4580-ABB5-B0A299DCF47A}" type="slidenum">
               <a:rPr lang="es-MX" smtClean="0"/>
-              <a:t>‹#›</a:t>
+              <a:t>‹Nº›</a:t>
             </a:fld>
             <a:endParaRPr lang="es-MX"/>
           </a:p>
@@ -2388,9 +2775,9 @@
           <a:bodyPr/>
           <a:lstStyle/>
           <a:p>
-            <a:fld id="{DABF1E0B-4688-4C93-A060-148C1C8C93EC}" type="datetimeFigureOut">
+            <a:fld id="{4EDB6D78-E78B-40AA-B730-B62D4B2F28CB}" type="datetime1">
               <a:rPr lang="es-MX" smtClean="0"/>
-              <a:t>04/03/2019</a:t>
+              <a:t>13/10/2019</a:t>
             </a:fld>
             <a:endParaRPr lang="es-MX"/>
           </a:p>
@@ -2411,7 +2798,10 @@
           <a:bodyPr/>
           <a:lstStyle/>
           <a:p>
-            <a:endParaRPr lang="es-MX"/>
+            <a:r>
+              <a:rPr lang="es-MX"/>
+              <a:t>Lic. José Orihuela Sánchez Programación y Aplicaciones para la Web</a:t>
+            </a:r>
           </a:p>
         </p:txBody>
       </p:sp>
@@ -2432,7 +2822,7 @@
           <a:p>
             <a:fld id="{C464D6BF-F1B9-4580-ABB5-B0A299DCF47A}" type="slidenum">
               <a:rPr lang="es-MX" smtClean="0"/>
-              <a:t>‹#›</a:t>
+              <a:t>‹Nº›</a:t>
             </a:fld>
             <a:endParaRPr lang="es-MX"/>
           </a:p>
@@ -2653,9 +3043,9 @@
           <a:bodyPr/>
           <a:lstStyle/>
           <a:p>
-            <a:fld id="{DABF1E0B-4688-4C93-A060-148C1C8C93EC}" type="datetimeFigureOut">
+            <a:fld id="{A1B5969B-03E2-48E4-956E-B980895B9563}" type="datetime1">
               <a:rPr lang="es-MX" smtClean="0"/>
-              <a:t>04/03/2019</a:t>
+              <a:t>13/10/2019</a:t>
             </a:fld>
             <a:endParaRPr lang="es-MX"/>
           </a:p>
@@ -2676,7 +3066,10 @@
           <a:bodyPr/>
           <a:lstStyle/>
           <a:p>
-            <a:endParaRPr lang="es-MX"/>
+            <a:r>
+              <a:rPr lang="es-MX"/>
+              <a:t>Lic. José Orihuela Sánchez Programación y Aplicaciones para la Web</a:t>
+            </a:r>
           </a:p>
         </p:txBody>
       </p:sp>
@@ -2697,7 +3090,7 @@
           <a:p>
             <a:fld id="{C464D6BF-F1B9-4580-ABB5-B0A299DCF47A}" type="slidenum">
               <a:rPr lang="es-MX" smtClean="0"/>
-              <a:t>‹#›</a:t>
+              <a:t>‹Nº›</a:t>
             </a:fld>
             <a:endParaRPr lang="es-MX"/>
           </a:p>
@@ -2902,9 +3295,9 @@
             </a:lvl1pPr>
           </a:lstStyle>
           <a:p>
-            <a:fld id="{DABF1E0B-4688-4C93-A060-148C1C8C93EC}" type="datetimeFigureOut">
+            <a:fld id="{22353D27-1C16-468A-9C92-5EBA7860A64A}" type="datetime1">
               <a:rPr lang="es-MX" smtClean="0"/>
-              <a:t>04/03/2019</a:t>
+              <a:t>13/10/2019</a:t>
             </a:fld>
             <a:endParaRPr lang="es-MX"/>
           </a:p>
@@ -2941,7 +3334,10 @@
             </a:lvl1pPr>
           </a:lstStyle>
           <a:p>
-            <a:endParaRPr lang="es-MX"/>
+            <a:r>
+              <a:rPr lang="es-MX"/>
+              <a:t>Lic. José Orihuela Sánchez Programación y Aplicaciones para la Web</a:t>
+            </a:r>
           </a:p>
         </p:txBody>
       </p:sp>
@@ -2978,7 +3374,7 @@
           <a:p>
             <a:fld id="{C464D6BF-F1B9-4580-ABB5-B0A299DCF47A}" type="slidenum">
               <a:rPr lang="es-MX" smtClean="0"/>
-              <a:t>‹#›</a:t>
+              <a:t>‹Nº›</a:t>
             </a:fld>
             <a:endParaRPr lang="es-MX"/>
           </a:p>
@@ -3005,6 +3401,7 @@
     <p:sldLayoutId id="2147483670" r:id="rId10"/>
     <p:sldLayoutId id="2147483671" r:id="rId11"/>
   </p:sldLayoutIdLst>
+  <p:hf sldNum="0" hdr="0" dt="0"/>
   <p:txStyles>
     <p:titleStyle>
       <a:lvl1pPr algn="l" defTabSz="914400" rtl="0" eaLnBrk="1" latinLnBrk="0" hangingPunct="1">
@@ -3381,9 +3778,10 @@
           <a:lstStyle/>
           <a:p>
             <a:r>
-              <a:rPr lang="es-MX" dirty="0"/>
-              <a:t>Introducción a POO con Java</a:t>
-            </a:r>
+              <a:rPr lang="en-US" dirty="0"/>
+              <a:t>PROGRAMACIÓN Y APLICACIONES PARA LA WEB</a:t>
+            </a:r>
+            <a:endParaRPr lang="es-MX" dirty="0"/>
           </a:p>
         </p:txBody>
       </p:sp>
@@ -3408,7 +3806,112 @@
           <a:bodyPr/>
           <a:lstStyle/>
           <a:p>
-            <a:endParaRPr lang="es-MX"/>
+            <a:r>
+              <a:rPr lang="es-MX" dirty="0"/>
+              <a:t>Introducción a POO con Java</a:t>
+            </a:r>
+          </a:p>
+        </p:txBody>
+      </p:sp>
+      <p:sp>
+        <p:nvSpPr>
+          <p:cNvPr id="4" name="Footer Placeholder 3">
+            <a:extLst>
+              <a:ext uri="{FF2B5EF4-FFF2-40B4-BE49-F238E27FC236}">
+                <a16:creationId xmlns:a16="http://schemas.microsoft.com/office/drawing/2014/main" id="{284C3F04-BDB8-4257-B11E-103E02E762CD}"/>
+              </a:ext>
+            </a:extLst>
+          </p:cNvPr>
+          <p:cNvSpPr>
+            <a:spLocks noGrp="1"/>
+          </p:cNvSpPr>
+          <p:nvPr>
+            <p:ph type="ftr" sz="quarter" idx="11"/>
+          </p:nvPr>
+        </p:nvSpPr>
+        <p:spPr/>
+        <p:txBody>
+          <a:bodyPr/>
+          <a:lstStyle/>
+          <a:p>
+            <a:r>
+              <a:rPr lang="es-MX"/>
+              <a:t>Lic. José Orihuela Sánchez Programación y Aplicaciones para la Web</a:t>
+            </a:r>
+          </a:p>
+        </p:txBody>
+      </p:sp>
+      <p:sp>
+        <p:nvSpPr>
+          <p:cNvPr id="5" name="Title 1">
+            <a:extLst>
+              <a:ext uri="{FF2B5EF4-FFF2-40B4-BE49-F238E27FC236}">
+                <a16:creationId xmlns:a16="http://schemas.microsoft.com/office/drawing/2014/main" id="{D132B9A3-BD1F-4000-8310-61C5AF5AB38D}"/>
+              </a:ext>
+            </a:extLst>
+          </p:cNvPr>
+          <p:cNvSpPr txBox="1">
+            <a:spLocks/>
+          </p:cNvSpPr>
+          <p:nvPr/>
+        </p:nvSpPr>
+        <p:spPr>
+          <a:xfrm>
+            <a:off x="365759" y="202391"/>
+            <a:ext cx="11471565" cy="1739347"/>
+          </a:xfrm>
+          <a:prstGeom prst="rect">
+            <a:avLst/>
+          </a:prstGeom>
+        </p:spPr>
+        <p:txBody>
+          <a:bodyPr vert="horz" lIns="91440" tIns="45720" rIns="91440" bIns="45720" rtlCol="0" anchor="ctr">
+            <a:normAutofit/>
+          </a:bodyPr>
+          <a:lstStyle>
+            <a:lvl1pPr algn="ctr" defTabSz="914400" rtl="0" eaLnBrk="1" latinLnBrk="0" hangingPunct="1">
+              <a:lnSpc>
+                <a:spcPct val="80000"/>
+              </a:lnSpc>
+              <a:spcBef>
+                <a:spcPct val="0"/>
+              </a:spcBef>
+              <a:buNone/>
+              <a:defRPr sz="6000" kern="1200" cap="all" spc="150" baseline="0">
+                <a:solidFill>
+                  <a:schemeClr val="bg2"/>
+                </a:solidFill>
+                <a:latin typeface="+mj-lt"/>
+                <a:ea typeface="+mj-ea"/>
+                <a:cs typeface="+mj-cs"/>
+              </a:defRPr>
+            </a:lvl1pPr>
+          </a:lstStyle>
+          <a:p>
+            <a:r>
+              <a:rPr lang="es-MX" sz="3200" dirty="0">
+                <a:solidFill>
+                  <a:schemeClr val="bg1">
+                    <a:lumMod val="10000"/>
+                    <a:lumOff val="90000"/>
+                  </a:schemeClr>
+                </a:solidFill>
+              </a:rPr>
+              <a:t>UNIVERSIDAD AUTONOMA DE NUEVO LEÓN</a:t>
+            </a:r>
+          </a:p>
+          <a:p>
+            <a:r>
+              <a:rPr lang="es-MX" sz="3200" dirty="0">
+                <a:solidFill>
+                  <a:schemeClr val="bg1">
+                    <a:lumMod val="10000"/>
+                    <a:lumOff val="90000"/>
+                  </a:schemeClr>
+                </a:solidFill>
+              </a:rPr>
+              <a:t>FACULTAD DE CIENCIAS FISICO-MATEMATICAS</a:t>
+            </a:r>
           </a:p>
         </p:txBody>
       </p:sp>
@@ -3515,6 +4018,34 @@
           </a:p>
         </p:txBody>
       </p:sp>
+      <p:sp>
+        <p:nvSpPr>
+          <p:cNvPr id="4" name="Footer Placeholder 3">
+            <a:extLst>
+              <a:ext uri="{FF2B5EF4-FFF2-40B4-BE49-F238E27FC236}">
+                <a16:creationId xmlns:a16="http://schemas.microsoft.com/office/drawing/2014/main" id="{CBD459E2-2398-448F-B758-E192038874C2}"/>
+              </a:ext>
+            </a:extLst>
+          </p:cNvPr>
+          <p:cNvSpPr>
+            <a:spLocks noGrp="1"/>
+          </p:cNvSpPr>
+          <p:nvPr>
+            <p:ph type="ftr" sz="quarter" idx="11"/>
+          </p:nvPr>
+        </p:nvSpPr>
+        <p:spPr/>
+        <p:txBody>
+          <a:bodyPr/>
+          <a:lstStyle/>
+          <a:p>
+            <a:r>
+              <a:rPr lang="es-MX"/>
+              <a:t>Lic. José Orihuela Sánchez Programación y Aplicaciones para la Web</a:t>
+            </a:r>
+          </a:p>
+        </p:txBody>
+      </p:sp>
     </p:spTree>
     <p:extLst>
       <p:ext uri="{BB962C8B-B14F-4D97-AF65-F5344CB8AC3E}">
@@ -3616,13 +4147,36 @@
             <a:pPr lvl="1"/>
             <a:r>
               <a:rPr lang="es-MX" dirty="0"/>
-              <a:t>Podemos variar el nivel de acceso de los </a:t>
-            </a:r>
-            <a:r>
-              <a:rPr lang="es-MX" dirty="0" err="1"/>
-              <a:t>metodos</a:t>
-            </a:r>
-            <a:endParaRPr lang="es-MX" dirty="0"/>
+              <a:t>Podemos variar el nivel de acceso de los métodos</a:t>
+            </a:r>
+          </a:p>
+        </p:txBody>
+      </p:sp>
+      <p:sp>
+        <p:nvSpPr>
+          <p:cNvPr id="4" name="Footer Placeholder 3">
+            <a:extLst>
+              <a:ext uri="{FF2B5EF4-FFF2-40B4-BE49-F238E27FC236}">
+                <a16:creationId xmlns:a16="http://schemas.microsoft.com/office/drawing/2014/main" id="{97B9F406-1C8C-4900-8A07-D228095DA960}"/>
+              </a:ext>
+            </a:extLst>
+          </p:cNvPr>
+          <p:cNvSpPr>
+            <a:spLocks noGrp="1"/>
+          </p:cNvSpPr>
+          <p:nvPr>
+            <p:ph type="ftr" sz="quarter" idx="11"/>
+          </p:nvPr>
+        </p:nvSpPr>
+        <p:spPr/>
+        <p:txBody>
+          <a:bodyPr/>
+          <a:lstStyle/>
+          <a:p>
+            <a:r>
+              <a:rPr lang="es-MX"/>
+              <a:t>Lic. José Orihuela Sánchez Programación y Aplicaciones para la Web</a:t>
+            </a:r>
           </a:p>
         </p:txBody>
       </p:sp>
@@ -3775,6 +4329,34 @@
           </a:p>
         </p:txBody>
       </p:sp>
+      <p:sp>
+        <p:nvSpPr>
+          <p:cNvPr id="4" name="Footer Placeholder 3">
+            <a:extLst>
+              <a:ext uri="{FF2B5EF4-FFF2-40B4-BE49-F238E27FC236}">
+                <a16:creationId xmlns:a16="http://schemas.microsoft.com/office/drawing/2014/main" id="{5BE91BE5-4381-4A06-8D2E-2D6DC06C93DA}"/>
+              </a:ext>
+            </a:extLst>
+          </p:cNvPr>
+          <p:cNvSpPr>
+            <a:spLocks noGrp="1"/>
+          </p:cNvSpPr>
+          <p:nvPr>
+            <p:ph type="ftr" sz="quarter" idx="11"/>
+          </p:nvPr>
+        </p:nvSpPr>
+        <p:spPr/>
+        <p:txBody>
+          <a:bodyPr/>
+          <a:lstStyle/>
+          <a:p>
+            <a:r>
+              <a:rPr lang="es-MX"/>
+              <a:t>Lic. José Orihuela Sánchez Programación y Aplicaciones para la Web</a:t>
+            </a:r>
+          </a:p>
+        </p:txBody>
+      </p:sp>
     </p:spTree>
     <p:extLst>
       <p:ext uri="{BB962C8B-B14F-4D97-AF65-F5344CB8AC3E}">
@@ -3874,6 +4456,34 @@
           </a:p>
         </p:txBody>
       </p:sp>
+      <p:sp>
+        <p:nvSpPr>
+          <p:cNvPr id="4" name="Footer Placeholder 3">
+            <a:extLst>
+              <a:ext uri="{FF2B5EF4-FFF2-40B4-BE49-F238E27FC236}">
+                <a16:creationId xmlns:a16="http://schemas.microsoft.com/office/drawing/2014/main" id="{3DA8A8C4-3F9B-4B33-843B-9EC09593C2E2}"/>
+              </a:ext>
+            </a:extLst>
+          </p:cNvPr>
+          <p:cNvSpPr>
+            <a:spLocks noGrp="1"/>
+          </p:cNvSpPr>
+          <p:nvPr>
+            <p:ph type="ftr" sz="quarter" idx="11"/>
+          </p:nvPr>
+        </p:nvSpPr>
+        <p:spPr/>
+        <p:txBody>
+          <a:bodyPr/>
+          <a:lstStyle/>
+          <a:p>
+            <a:r>
+              <a:rPr lang="es-MX"/>
+              <a:t>Lic. José Orihuela Sánchez Programación y Aplicaciones para la Web</a:t>
+            </a:r>
+          </a:p>
+        </p:txBody>
+      </p:sp>
     </p:spTree>
     <p:extLst>
       <p:ext uri="{BB962C8B-B14F-4D97-AF65-F5344CB8AC3E}">
@@ -3983,6 +4593,34 @@
           </a:p>
         </p:txBody>
       </p:sp>
+      <p:sp>
+        <p:nvSpPr>
+          <p:cNvPr id="4" name="Footer Placeholder 3">
+            <a:extLst>
+              <a:ext uri="{FF2B5EF4-FFF2-40B4-BE49-F238E27FC236}">
+                <a16:creationId xmlns:a16="http://schemas.microsoft.com/office/drawing/2014/main" id="{6208AE34-4DED-46E8-9180-26A44EC30A13}"/>
+              </a:ext>
+            </a:extLst>
+          </p:cNvPr>
+          <p:cNvSpPr>
+            <a:spLocks noGrp="1"/>
+          </p:cNvSpPr>
+          <p:nvPr>
+            <p:ph type="ftr" sz="quarter" idx="11"/>
+          </p:nvPr>
+        </p:nvSpPr>
+        <p:spPr/>
+        <p:txBody>
+          <a:bodyPr/>
+          <a:lstStyle/>
+          <a:p>
+            <a:r>
+              <a:rPr lang="es-MX"/>
+              <a:t>Lic. José Orihuela Sánchez Programación y Aplicaciones para la Web</a:t>
+            </a:r>
+          </a:p>
+        </p:txBody>
+      </p:sp>
     </p:spTree>
     <p:extLst>
       <p:ext uri="{BB962C8B-B14F-4D97-AF65-F5344CB8AC3E}">
@@ -4070,15 +4708,7 @@
           <a:p>
             <a:r>
               <a:rPr lang="es-MX" dirty="0"/>
-              <a:t>Se pueden implementar </a:t>
-            </a:r>
-            <a:r>
-              <a:rPr lang="es-MX" dirty="0" err="1"/>
-              <a:t>multiples</a:t>
-            </a:r>
-            <a:r>
-              <a:rPr lang="es-MX" dirty="0"/>
-              <a:t> interfaces</a:t>
+              <a:t>Se pueden implementar múltiples interfaces</a:t>
             </a:r>
           </a:p>
           <a:p>
@@ -4109,6 +4739,34 @@
             <a:r>
               <a:rPr lang="es-MX" dirty="0"/>
               <a:t>No contienen ningún constructor</a:t>
+            </a:r>
+          </a:p>
+        </p:txBody>
+      </p:sp>
+      <p:sp>
+        <p:nvSpPr>
+          <p:cNvPr id="4" name="Footer Placeholder 3">
+            <a:extLst>
+              <a:ext uri="{FF2B5EF4-FFF2-40B4-BE49-F238E27FC236}">
+                <a16:creationId xmlns:a16="http://schemas.microsoft.com/office/drawing/2014/main" id="{A0B9FA4C-07F8-4B40-8458-B4B0D49E1438}"/>
+              </a:ext>
+            </a:extLst>
+          </p:cNvPr>
+          <p:cNvSpPr>
+            <a:spLocks noGrp="1"/>
+          </p:cNvSpPr>
+          <p:nvPr>
+            <p:ph type="ftr" sz="quarter" idx="11"/>
+          </p:nvPr>
+        </p:nvSpPr>
+        <p:spPr/>
+        <p:txBody>
+          <a:bodyPr/>
+          <a:lstStyle/>
+          <a:p>
+            <a:r>
+              <a:rPr lang="es-MX"/>
+              <a:t>Lic. José Orihuela Sánchez Programación y Aplicaciones para la Web</a:t>
             </a:r>
           </a:p>
         </p:txBody>
@@ -4207,6 +4865,34 @@
           </a:p>
         </p:txBody>
       </p:sp>
+      <p:sp>
+        <p:nvSpPr>
+          <p:cNvPr id="4" name="Footer Placeholder 3">
+            <a:extLst>
+              <a:ext uri="{FF2B5EF4-FFF2-40B4-BE49-F238E27FC236}">
+                <a16:creationId xmlns:a16="http://schemas.microsoft.com/office/drawing/2014/main" id="{F52D3F84-4FC6-4A59-B0C1-9F6A73F2534B}"/>
+              </a:ext>
+            </a:extLst>
+          </p:cNvPr>
+          <p:cNvSpPr>
+            <a:spLocks noGrp="1"/>
+          </p:cNvSpPr>
+          <p:nvPr>
+            <p:ph type="ftr" sz="quarter" idx="11"/>
+          </p:nvPr>
+        </p:nvSpPr>
+        <p:spPr/>
+        <p:txBody>
+          <a:bodyPr/>
+          <a:lstStyle/>
+          <a:p>
+            <a:r>
+              <a:rPr lang="es-MX"/>
+              <a:t>Lic. José Orihuela Sánchez Programación y Aplicaciones para la Web</a:t>
+            </a:r>
+          </a:p>
+        </p:txBody>
+      </p:sp>
     </p:spTree>
     <p:extLst>
       <p:ext uri="{BB962C8B-B14F-4D97-AF65-F5344CB8AC3E}">
@@ -4299,10 +4985,363 @@
           </a:p>
         </p:txBody>
       </p:sp>
+      <p:sp>
+        <p:nvSpPr>
+          <p:cNvPr id="4" name="Footer Placeholder 3">
+            <a:extLst>
+              <a:ext uri="{FF2B5EF4-FFF2-40B4-BE49-F238E27FC236}">
+                <a16:creationId xmlns:a16="http://schemas.microsoft.com/office/drawing/2014/main" id="{82D2C251-6A99-4954-B481-84D52F8ACA91}"/>
+              </a:ext>
+            </a:extLst>
+          </p:cNvPr>
+          <p:cNvSpPr>
+            <a:spLocks noGrp="1"/>
+          </p:cNvSpPr>
+          <p:nvPr>
+            <p:ph type="ftr" sz="quarter" idx="11"/>
+          </p:nvPr>
+        </p:nvSpPr>
+        <p:spPr/>
+        <p:txBody>
+          <a:bodyPr/>
+          <a:lstStyle/>
+          <a:p>
+            <a:r>
+              <a:rPr lang="es-MX"/>
+              <a:t>Lic. José Orihuela Sánchez Programación y Aplicaciones para la Web</a:t>
+            </a:r>
+          </a:p>
+        </p:txBody>
+      </p:sp>
     </p:spTree>
     <p:extLst>
       <p:ext uri="{BB962C8B-B14F-4D97-AF65-F5344CB8AC3E}">
         <p14:creationId xmlns:p14="http://schemas.microsoft.com/office/powerpoint/2010/main" val="370994603"/>
+      </p:ext>
+    </p:extLst>
+  </p:cSld>
+  <p:clrMapOvr>
+    <a:masterClrMapping/>
+  </p:clrMapOvr>
+</p:sld>
+</file>
+
+<file path=ppt/slides/slide18.xml><?xml version="1.0" encoding="utf-8"?>
+<p:sld xmlns:a="http://schemas.openxmlformats.org/drawingml/2006/main" xmlns:r="http://schemas.openxmlformats.org/officeDocument/2006/relationships" xmlns:p="http://schemas.openxmlformats.org/presentationml/2006/main">
+  <p:cSld>
+    <p:spTree>
+      <p:nvGrpSpPr>
+        <p:cNvPr id="1" name=""/>
+        <p:cNvGrpSpPr/>
+        <p:nvPr/>
+      </p:nvGrpSpPr>
+      <p:grpSpPr>
+        <a:xfrm>
+          <a:off x="0" y="0"/>
+          <a:ext cx="0" cy="0"/>
+          <a:chOff x="0" y="0"/>
+          <a:chExt cx="0" cy="0"/>
+        </a:xfrm>
+      </p:grpSpPr>
+      <p:sp>
+        <p:nvSpPr>
+          <p:cNvPr id="2" name="Título 1">
+            <a:extLst>
+              <a:ext uri="{FF2B5EF4-FFF2-40B4-BE49-F238E27FC236}">
+                <a16:creationId xmlns:a16="http://schemas.microsoft.com/office/drawing/2014/main" id="{45FAC573-D54E-471A-885A-BF1578AF29D9}"/>
+              </a:ext>
+            </a:extLst>
+          </p:cNvPr>
+          <p:cNvSpPr>
+            <a:spLocks noGrp="1"/>
+          </p:cNvSpPr>
+          <p:nvPr>
+            <p:ph type="title"/>
+          </p:nvPr>
+        </p:nvSpPr>
+        <p:spPr/>
+        <p:txBody>
+          <a:bodyPr/>
+          <a:lstStyle/>
+          <a:p>
+            <a:r>
+              <a:rPr lang="es-MX" dirty="0"/>
+              <a:t>Listas</a:t>
+            </a:r>
+          </a:p>
+        </p:txBody>
+      </p:sp>
+      <p:sp>
+        <p:nvSpPr>
+          <p:cNvPr id="3" name="Marcador de contenido 2">
+            <a:extLst>
+              <a:ext uri="{FF2B5EF4-FFF2-40B4-BE49-F238E27FC236}">
+                <a16:creationId xmlns:a16="http://schemas.microsoft.com/office/drawing/2014/main" id="{0469CDEE-7A99-4D3A-B46B-840EFBA16374}"/>
+              </a:ext>
+            </a:extLst>
+          </p:cNvPr>
+          <p:cNvSpPr>
+            <a:spLocks noGrp="1"/>
+          </p:cNvSpPr>
+          <p:nvPr>
+            <p:ph idx="1"/>
+          </p:nvPr>
+        </p:nvSpPr>
+        <p:spPr/>
+        <p:txBody>
+          <a:bodyPr/>
+          <a:lstStyle/>
+          <a:p>
+            <a:r>
+              <a:rPr lang="es-MX" dirty="0"/>
+              <a:t>Las listas son una interfaz hija de </a:t>
+            </a:r>
+            <a:r>
+              <a:rPr lang="es-MX" dirty="0" err="1"/>
+              <a:t>Collection</a:t>
+            </a:r>
+            <a:r>
+              <a:rPr lang="es-MX" dirty="0"/>
+              <a:t>.</a:t>
+            </a:r>
+          </a:p>
+          <a:p>
+            <a:r>
+              <a:rPr lang="es-MX" dirty="0"/>
+              <a:t>Es una colección ordenada de objetos en el cual los valores duplicados pueden ser resguardados.</a:t>
+            </a:r>
+          </a:p>
+          <a:p>
+            <a:r>
+              <a:rPr lang="en-US" dirty="0"/>
+              <a:t>List a = new </a:t>
+            </a:r>
+            <a:r>
+              <a:rPr lang="en-US" dirty="0" err="1"/>
+              <a:t>ArrayList</a:t>
+            </a:r>
+            <a:r>
+              <a:rPr lang="en-US" dirty="0"/>
+              <a:t>();</a:t>
+            </a:r>
+          </a:p>
+          <a:p>
+            <a:r>
+              <a:rPr lang="en-US" dirty="0"/>
+              <a:t>List b = new LinkedList();</a:t>
+            </a:r>
+          </a:p>
+          <a:p>
+            <a:r>
+              <a:rPr lang="en-US" dirty="0"/>
+              <a:t>List c = new Vector();</a:t>
+            </a:r>
+          </a:p>
+          <a:p>
+            <a:r>
+              <a:rPr lang="en-US" dirty="0"/>
+              <a:t>List d = new Stack();</a:t>
+            </a:r>
+          </a:p>
+          <a:p>
+            <a:r>
+              <a:rPr lang="en-US" dirty="0"/>
+              <a:t>List&lt;Obj&gt; list = new </a:t>
+            </a:r>
+            <a:r>
+              <a:rPr lang="en-US" dirty="0" err="1"/>
+              <a:t>ArrayList</a:t>
+            </a:r>
+            <a:r>
+              <a:rPr lang="en-US" dirty="0"/>
+              <a:t>&lt;Obj&gt;();</a:t>
+            </a:r>
+            <a:endParaRPr lang="es-MX" dirty="0"/>
+          </a:p>
+        </p:txBody>
+      </p:sp>
+      <p:sp>
+        <p:nvSpPr>
+          <p:cNvPr id="4" name="Marcador de pie de página 3">
+            <a:extLst>
+              <a:ext uri="{FF2B5EF4-FFF2-40B4-BE49-F238E27FC236}">
+                <a16:creationId xmlns:a16="http://schemas.microsoft.com/office/drawing/2014/main" id="{FA125DC4-1A37-4C7B-B115-23AAFDCA5799}"/>
+              </a:ext>
+            </a:extLst>
+          </p:cNvPr>
+          <p:cNvSpPr>
+            <a:spLocks noGrp="1"/>
+          </p:cNvSpPr>
+          <p:nvPr>
+            <p:ph type="ftr" sz="quarter" idx="11"/>
+          </p:nvPr>
+        </p:nvSpPr>
+        <p:spPr/>
+        <p:txBody>
+          <a:bodyPr/>
+          <a:lstStyle/>
+          <a:p>
+            <a:r>
+              <a:rPr lang="es-MX"/>
+              <a:t>Lic. José Orihuela Sánchez Programación y Aplicaciones para la Web</a:t>
+            </a:r>
+          </a:p>
+        </p:txBody>
+      </p:sp>
+    </p:spTree>
+    <p:extLst>
+      <p:ext uri="{BB962C8B-B14F-4D97-AF65-F5344CB8AC3E}">
+        <p14:creationId xmlns:p14="http://schemas.microsoft.com/office/powerpoint/2010/main" val="1054766745"/>
+      </p:ext>
+    </p:extLst>
+  </p:cSld>
+  <p:clrMapOvr>
+    <a:masterClrMapping/>
+  </p:clrMapOvr>
+</p:sld>
+</file>
+
+<file path=ppt/slides/slide19.xml><?xml version="1.0" encoding="utf-8"?>
+<p:sld xmlns:a="http://schemas.openxmlformats.org/drawingml/2006/main" xmlns:r="http://schemas.openxmlformats.org/officeDocument/2006/relationships" xmlns:p="http://schemas.openxmlformats.org/presentationml/2006/main">
+  <p:cSld>
+    <p:spTree>
+      <p:nvGrpSpPr>
+        <p:cNvPr id="1" name=""/>
+        <p:cNvGrpSpPr/>
+        <p:nvPr/>
+      </p:nvGrpSpPr>
+      <p:grpSpPr>
+        <a:xfrm>
+          <a:off x="0" y="0"/>
+          <a:ext cx="0" cy="0"/>
+          <a:chOff x="0" y="0"/>
+          <a:chExt cx="0" cy="0"/>
+        </a:xfrm>
+      </p:grpSpPr>
+      <p:sp>
+        <p:nvSpPr>
+          <p:cNvPr id="2" name="Título 1">
+            <a:extLst>
+              <a:ext uri="{FF2B5EF4-FFF2-40B4-BE49-F238E27FC236}">
+                <a16:creationId xmlns:a16="http://schemas.microsoft.com/office/drawing/2014/main" id="{DA9C4A47-345E-4233-BE35-4AF23FB62008}"/>
+              </a:ext>
+            </a:extLst>
+          </p:cNvPr>
+          <p:cNvSpPr>
+            <a:spLocks noGrp="1"/>
+          </p:cNvSpPr>
+          <p:nvPr>
+            <p:ph type="title"/>
+          </p:nvPr>
+        </p:nvSpPr>
+        <p:spPr/>
+        <p:txBody>
+          <a:bodyPr/>
+          <a:lstStyle/>
+          <a:p>
+            <a:r>
+              <a:rPr lang="es-MX" dirty="0" err="1"/>
+              <a:t>Map</a:t>
+            </a:r>
+            <a:endParaRPr lang="es-MX" dirty="0"/>
+          </a:p>
+        </p:txBody>
+      </p:sp>
+      <p:sp>
+        <p:nvSpPr>
+          <p:cNvPr id="3" name="Marcador de contenido 2">
+            <a:extLst>
+              <a:ext uri="{FF2B5EF4-FFF2-40B4-BE49-F238E27FC236}">
+                <a16:creationId xmlns:a16="http://schemas.microsoft.com/office/drawing/2014/main" id="{07BECBA8-1279-4A4A-BEB9-089453184CAF}"/>
+              </a:ext>
+            </a:extLst>
+          </p:cNvPr>
+          <p:cNvSpPr>
+            <a:spLocks noGrp="1"/>
+          </p:cNvSpPr>
+          <p:nvPr>
+            <p:ph idx="1"/>
+          </p:nvPr>
+        </p:nvSpPr>
+        <p:spPr/>
+        <p:txBody>
+          <a:bodyPr/>
+          <a:lstStyle/>
+          <a:p>
+            <a:r>
+              <a:rPr lang="es-MX" dirty="0"/>
+              <a:t>Un diccionario es una clase abstracta que representa un conjunto de </a:t>
+            </a:r>
+            <a:r>
+              <a:rPr lang="en-US" b="1" dirty="0" err="1"/>
+              <a:t>Llave</a:t>
+            </a:r>
+            <a:r>
+              <a:rPr lang="en-US" b="1" dirty="0"/>
+              <a:t>-Valor</a:t>
+            </a:r>
+            <a:r>
+              <a:rPr lang="es-MX" b="1" dirty="0"/>
+              <a:t>.</a:t>
+            </a:r>
+            <a:endParaRPr lang="es-MX" dirty="0"/>
+          </a:p>
+          <a:p>
+            <a:endParaRPr lang="es-MX" dirty="0"/>
+          </a:p>
+          <a:p>
+            <a:r>
+              <a:rPr lang="es-MX" dirty="0" err="1"/>
+              <a:t>Map</a:t>
+            </a:r>
+            <a:r>
+              <a:rPr lang="en-US" dirty="0"/>
+              <a:t>&lt;Obj, Obj&gt; map = new HashMap&lt;</a:t>
+            </a:r>
+            <a:r>
+              <a:rPr lang="en-US" dirty="0" err="1"/>
+              <a:t>Obj,Obj</a:t>
+            </a:r>
+            <a:r>
+              <a:rPr lang="en-US"/>
+              <a:t>&gt;();</a:t>
+            </a:r>
+            <a:endParaRPr lang="es-MX" dirty="0"/>
+          </a:p>
+        </p:txBody>
+      </p:sp>
+      <p:sp>
+        <p:nvSpPr>
+          <p:cNvPr id="4" name="Marcador de pie de página 3">
+            <a:extLst>
+              <a:ext uri="{FF2B5EF4-FFF2-40B4-BE49-F238E27FC236}">
+                <a16:creationId xmlns:a16="http://schemas.microsoft.com/office/drawing/2014/main" id="{A03023C1-9736-48BD-8763-89B7546D133A}"/>
+              </a:ext>
+            </a:extLst>
+          </p:cNvPr>
+          <p:cNvSpPr>
+            <a:spLocks noGrp="1"/>
+          </p:cNvSpPr>
+          <p:nvPr>
+            <p:ph type="ftr" sz="quarter" idx="11"/>
+          </p:nvPr>
+        </p:nvSpPr>
+        <p:spPr/>
+        <p:txBody>
+          <a:bodyPr/>
+          <a:lstStyle/>
+          <a:p>
+            <a:r>
+              <a:rPr lang="es-MX"/>
+              <a:t>Lic. José Orihuela Sánchez Programación y Aplicaciones para la Web</a:t>
+            </a:r>
+          </a:p>
+        </p:txBody>
+      </p:sp>
+    </p:spTree>
+    <p:extLst>
+      <p:ext uri="{BB962C8B-B14F-4D97-AF65-F5344CB8AC3E}">
+        <p14:creationId xmlns:p14="http://schemas.microsoft.com/office/powerpoint/2010/main" val="1483584893"/>
       </p:ext>
     </p:extLst>
   </p:cSld>
@@ -4400,6 +5439,34 @@
             <a:r>
               <a:rPr lang="es-MX" dirty="0"/>
               <a:t>Con esto nos referimos que las clases son las estructuras que nosotros crearemos para crear objetos que estos serán llenados de datos que nuestro programa le dará.</a:t>
+            </a:r>
+          </a:p>
+        </p:txBody>
+      </p:sp>
+      <p:sp>
+        <p:nvSpPr>
+          <p:cNvPr id="4" name="Footer Placeholder 3">
+            <a:extLst>
+              <a:ext uri="{FF2B5EF4-FFF2-40B4-BE49-F238E27FC236}">
+                <a16:creationId xmlns:a16="http://schemas.microsoft.com/office/drawing/2014/main" id="{8651C624-87A0-444F-B9B5-7BE3F82E7C8E}"/>
+              </a:ext>
+            </a:extLst>
+          </p:cNvPr>
+          <p:cNvSpPr>
+            <a:spLocks noGrp="1"/>
+          </p:cNvSpPr>
+          <p:nvPr>
+            <p:ph type="ftr" sz="quarter" idx="11"/>
+          </p:nvPr>
+        </p:nvSpPr>
+        <p:spPr/>
+        <p:txBody>
+          <a:bodyPr/>
+          <a:lstStyle/>
+          <a:p>
+            <a:r>
+              <a:rPr lang="es-MX"/>
+              <a:t>Lic. José Orihuela Sánchez Programación y Aplicaciones para la Web</a:t>
             </a:r>
           </a:p>
         </p:txBody>
@@ -4516,6 +5583,34 @@
           </a:p>
         </p:txBody>
       </p:sp>
+      <p:sp>
+        <p:nvSpPr>
+          <p:cNvPr id="4" name="Footer Placeholder 3">
+            <a:extLst>
+              <a:ext uri="{FF2B5EF4-FFF2-40B4-BE49-F238E27FC236}">
+                <a16:creationId xmlns:a16="http://schemas.microsoft.com/office/drawing/2014/main" id="{06583258-3758-4651-B270-4B82E68D865D}"/>
+              </a:ext>
+            </a:extLst>
+          </p:cNvPr>
+          <p:cNvSpPr>
+            <a:spLocks noGrp="1"/>
+          </p:cNvSpPr>
+          <p:nvPr>
+            <p:ph type="ftr" sz="quarter" idx="11"/>
+          </p:nvPr>
+        </p:nvSpPr>
+        <p:spPr/>
+        <p:txBody>
+          <a:bodyPr/>
+          <a:lstStyle/>
+          <a:p>
+            <a:r>
+              <a:rPr lang="es-MX"/>
+              <a:t>Lic. José Orihuela Sánchez Programación y Aplicaciones para la Web</a:t>
+            </a:r>
+          </a:p>
+        </p:txBody>
+      </p:sp>
     </p:spTree>
     <p:extLst>
       <p:ext uri="{BB962C8B-B14F-4D97-AF65-F5344CB8AC3E}">
@@ -4611,6 +5706,34 @@
           </a:p>
         </p:txBody>
       </p:sp>
+      <p:sp>
+        <p:nvSpPr>
+          <p:cNvPr id="4" name="Footer Placeholder 3">
+            <a:extLst>
+              <a:ext uri="{FF2B5EF4-FFF2-40B4-BE49-F238E27FC236}">
+                <a16:creationId xmlns:a16="http://schemas.microsoft.com/office/drawing/2014/main" id="{C812D65C-02C0-40D8-A567-E91F33D9358C}"/>
+              </a:ext>
+            </a:extLst>
+          </p:cNvPr>
+          <p:cNvSpPr>
+            <a:spLocks noGrp="1"/>
+          </p:cNvSpPr>
+          <p:nvPr>
+            <p:ph type="ftr" sz="quarter" idx="11"/>
+          </p:nvPr>
+        </p:nvSpPr>
+        <p:spPr/>
+        <p:txBody>
+          <a:bodyPr/>
+          <a:lstStyle/>
+          <a:p>
+            <a:r>
+              <a:rPr lang="es-MX"/>
+              <a:t>Lic. José Orihuela Sánchez Programación y Aplicaciones para la Web</a:t>
+            </a:r>
+          </a:p>
+        </p:txBody>
+      </p:sp>
     </p:spTree>
     <p:extLst>
       <p:ext uri="{BB962C8B-B14F-4D97-AF65-F5344CB8AC3E}">
@@ -4706,6 +5829,34 @@
           </a:p>
         </p:txBody>
       </p:sp>
+      <p:sp>
+        <p:nvSpPr>
+          <p:cNvPr id="4" name="Footer Placeholder 3">
+            <a:extLst>
+              <a:ext uri="{FF2B5EF4-FFF2-40B4-BE49-F238E27FC236}">
+                <a16:creationId xmlns:a16="http://schemas.microsoft.com/office/drawing/2014/main" id="{DE39E56C-563A-477B-B050-653DE2B335EB}"/>
+              </a:ext>
+            </a:extLst>
+          </p:cNvPr>
+          <p:cNvSpPr>
+            <a:spLocks noGrp="1"/>
+          </p:cNvSpPr>
+          <p:nvPr>
+            <p:ph type="ftr" sz="quarter" idx="11"/>
+          </p:nvPr>
+        </p:nvSpPr>
+        <p:spPr/>
+        <p:txBody>
+          <a:bodyPr/>
+          <a:lstStyle/>
+          <a:p>
+            <a:r>
+              <a:rPr lang="es-MX"/>
+              <a:t>Lic. José Orihuela Sánchez Programación y Aplicaciones para la Web</a:t>
+            </a:r>
+          </a:p>
+        </p:txBody>
+      </p:sp>
     </p:spTree>
     <p:extLst>
       <p:ext uri="{BB962C8B-B14F-4D97-AF65-F5344CB8AC3E}">
@@ -4798,6 +5949,34 @@
           </a:p>
         </p:txBody>
       </p:sp>
+      <p:sp>
+        <p:nvSpPr>
+          <p:cNvPr id="4" name="Footer Placeholder 3">
+            <a:extLst>
+              <a:ext uri="{FF2B5EF4-FFF2-40B4-BE49-F238E27FC236}">
+                <a16:creationId xmlns:a16="http://schemas.microsoft.com/office/drawing/2014/main" id="{CDFFBC90-65C7-4145-B176-2F15977A5474}"/>
+              </a:ext>
+            </a:extLst>
+          </p:cNvPr>
+          <p:cNvSpPr>
+            <a:spLocks noGrp="1"/>
+          </p:cNvSpPr>
+          <p:nvPr>
+            <p:ph type="ftr" sz="quarter" idx="11"/>
+          </p:nvPr>
+        </p:nvSpPr>
+        <p:spPr/>
+        <p:txBody>
+          <a:bodyPr/>
+          <a:lstStyle/>
+          <a:p>
+            <a:r>
+              <a:rPr lang="es-MX"/>
+              <a:t>Lic. José Orihuela Sánchez Programación y Aplicaciones para la Web</a:t>
+            </a:r>
+          </a:p>
+        </p:txBody>
+      </p:sp>
     </p:spTree>
     <p:extLst>
       <p:ext uri="{BB962C8B-B14F-4D97-AF65-F5344CB8AC3E}">
@@ -4890,6 +6069,34 @@
           </a:p>
         </p:txBody>
       </p:sp>
+      <p:sp>
+        <p:nvSpPr>
+          <p:cNvPr id="4" name="Footer Placeholder 3">
+            <a:extLst>
+              <a:ext uri="{FF2B5EF4-FFF2-40B4-BE49-F238E27FC236}">
+                <a16:creationId xmlns:a16="http://schemas.microsoft.com/office/drawing/2014/main" id="{A63A8277-CDB1-4202-84D5-4A30B4DBB535}"/>
+              </a:ext>
+            </a:extLst>
+          </p:cNvPr>
+          <p:cNvSpPr>
+            <a:spLocks noGrp="1"/>
+          </p:cNvSpPr>
+          <p:nvPr>
+            <p:ph type="ftr" sz="quarter" idx="11"/>
+          </p:nvPr>
+        </p:nvSpPr>
+        <p:spPr/>
+        <p:txBody>
+          <a:bodyPr/>
+          <a:lstStyle/>
+          <a:p>
+            <a:r>
+              <a:rPr lang="es-MX"/>
+              <a:t>Lic. José Orihuela Sánchez Programación y Aplicaciones para la Web</a:t>
+            </a:r>
+          </a:p>
+        </p:txBody>
+      </p:sp>
     </p:spTree>
     <p:extLst>
       <p:ext uri="{BB962C8B-B14F-4D97-AF65-F5344CB8AC3E}">
@@ -4982,6 +6189,34 @@
           </a:p>
         </p:txBody>
       </p:sp>
+      <p:sp>
+        <p:nvSpPr>
+          <p:cNvPr id="4" name="Footer Placeholder 3">
+            <a:extLst>
+              <a:ext uri="{FF2B5EF4-FFF2-40B4-BE49-F238E27FC236}">
+                <a16:creationId xmlns:a16="http://schemas.microsoft.com/office/drawing/2014/main" id="{C97DF5C5-6DE2-4CCC-95B6-618D7B24AF69}"/>
+              </a:ext>
+            </a:extLst>
+          </p:cNvPr>
+          <p:cNvSpPr>
+            <a:spLocks noGrp="1"/>
+          </p:cNvSpPr>
+          <p:nvPr>
+            <p:ph type="ftr" sz="quarter" idx="11"/>
+          </p:nvPr>
+        </p:nvSpPr>
+        <p:spPr/>
+        <p:txBody>
+          <a:bodyPr/>
+          <a:lstStyle/>
+          <a:p>
+            <a:r>
+              <a:rPr lang="es-MX"/>
+              <a:t>Lic. José Orihuela Sánchez Programación y Aplicaciones para la Web</a:t>
+            </a:r>
+          </a:p>
+        </p:txBody>
+      </p:sp>
     </p:spTree>
     <p:extLst>
       <p:ext uri="{BB962C8B-B14F-4D97-AF65-F5344CB8AC3E}">
@@ -5070,6 +6305,34 @@
             <a:r>
               <a:rPr lang="es-MX" dirty="0"/>
               <a:t>Nos ayuda a tener control sobre algunas operaciones que requieran mayor control</a:t>
+            </a:r>
+          </a:p>
+        </p:txBody>
+      </p:sp>
+      <p:sp>
+        <p:nvSpPr>
+          <p:cNvPr id="4" name="Footer Placeholder 3">
+            <a:extLst>
+              <a:ext uri="{FF2B5EF4-FFF2-40B4-BE49-F238E27FC236}">
+                <a16:creationId xmlns:a16="http://schemas.microsoft.com/office/drawing/2014/main" id="{0109B188-C186-4BE4-A630-EBF2795F3230}"/>
+              </a:ext>
+            </a:extLst>
+          </p:cNvPr>
+          <p:cNvSpPr>
+            <a:spLocks noGrp="1"/>
+          </p:cNvSpPr>
+          <p:nvPr>
+            <p:ph type="ftr" sz="quarter" idx="11"/>
+          </p:nvPr>
+        </p:nvSpPr>
+        <p:spPr/>
+        <p:txBody>
+          <a:bodyPr/>
+          <a:lstStyle/>
+          <a:p>
+            <a:r>
+              <a:rPr lang="es-MX"/>
+              <a:t>Lic. José Orihuela Sánchez Programación y Aplicaciones para la Web</a:t>
             </a:r>
           </a:p>
         </p:txBody>
@@ -5347,4 +6610,299 @@
     </a:ext>
   </a:extLst>
 </a:theme>
+</file>
+
+<file path=ppt/theme/theme2.xml><?xml version="1.0" encoding="utf-8"?>
+<a:theme xmlns:a="http://schemas.openxmlformats.org/drawingml/2006/main" name="Office Theme">
+  <a:themeElements>
+    <a:clrScheme name="Office">
+      <a:dk1>
+        <a:sysClr val="windowText" lastClr="000000"/>
+      </a:dk1>
+      <a:lt1>
+        <a:sysClr val="window" lastClr="FFFFFF"/>
+      </a:lt1>
+      <a:dk2>
+        <a:srgbClr val="44546A"/>
+      </a:dk2>
+      <a:lt2>
+        <a:srgbClr val="E7E6E6"/>
+      </a:lt2>
+      <a:accent1>
+        <a:srgbClr val="4472C4"/>
+      </a:accent1>
+      <a:accent2>
+        <a:srgbClr val="ED7D31"/>
+      </a:accent2>
+      <a:accent3>
+        <a:srgbClr val="A5A5A5"/>
+      </a:accent3>
+      <a:accent4>
+        <a:srgbClr val="FFC000"/>
+      </a:accent4>
+      <a:accent5>
+        <a:srgbClr val="5B9BD5"/>
+      </a:accent5>
+      <a:accent6>
+        <a:srgbClr val="70AD47"/>
+      </a:accent6>
+      <a:hlink>
+        <a:srgbClr val="0563C1"/>
+      </a:hlink>
+      <a:folHlink>
+        <a:srgbClr val="954F72"/>
+      </a:folHlink>
+    </a:clrScheme>
+    <a:fontScheme name="Office">
+      <a:majorFont>
+        <a:latin typeface="Calibri Light" panose="020F0302020204030204"/>
+        <a:ea typeface=""/>
+        <a:cs typeface=""/>
+        <a:font script="Jpan" typeface="游ゴシック Light"/>
+        <a:font script="Hang" typeface="맑은 고딕"/>
+        <a:font script="Hans" typeface="等线 Light"/>
+        <a:font script="Hant" typeface="新細明體"/>
+        <a:font script="Arab" typeface="Times New Roman"/>
+        <a:font script="Hebr" typeface="Times New Roman"/>
+        <a:font script="Thai" typeface="Angsana New"/>
+        <a:font script="Ethi" typeface="Nyala"/>
+        <a:font script="Beng" typeface="Vrinda"/>
+        <a:font script="Gujr" typeface="Shruti"/>
+        <a:font script="Khmr" typeface="MoolBoran"/>
+        <a:font script="Knda" typeface="Tunga"/>
+        <a:font script="Guru" typeface="Raavi"/>
+        <a:font script="Cans" typeface="Euphemia"/>
+        <a:font script="Cher" typeface="Plantagenet Cherokee"/>
+        <a:font script="Yiii" typeface="Microsoft Yi Baiti"/>
+        <a:font script="Tibt" typeface="Microsoft Himalaya"/>
+        <a:font script="Thaa" typeface="MV Boli"/>
+        <a:font script="Deva" typeface="Mangal"/>
+        <a:font script="Telu" typeface="Gautami"/>
+        <a:font script="Taml" typeface="Latha"/>
+        <a:font script="Syrc" typeface="Estrangelo Edessa"/>
+        <a:font script="Orya" typeface="Kalinga"/>
+        <a:font script="Mlym" typeface="Kartika"/>
+        <a:font script="Laoo" typeface="DokChampa"/>
+        <a:font script="Sinh" typeface="Iskoola Pota"/>
+        <a:font script="Mong" typeface="Mongolian Baiti"/>
+        <a:font script="Viet" typeface="Times New Roman"/>
+        <a:font script="Uigh" typeface="Microsoft Uighur"/>
+        <a:font script="Geor" typeface="Sylfaen"/>
+        <a:font script="Armn" typeface="Arial"/>
+        <a:font script="Bugi" typeface="Leelawadee UI"/>
+        <a:font script="Bopo" typeface="Microsoft JhengHei"/>
+        <a:font script="Java" typeface="Javanese Text"/>
+        <a:font script="Lisu" typeface="Segoe UI"/>
+        <a:font script="Mymr" typeface="Myanmar Text"/>
+        <a:font script="Nkoo" typeface="Ebrima"/>
+        <a:font script="Olck" typeface="Nirmala UI"/>
+        <a:font script="Osma" typeface="Ebrima"/>
+        <a:font script="Phag" typeface="Phagspa"/>
+        <a:font script="Syrn" typeface="Estrangelo Edessa"/>
+        <a:font script="Syrj" typeface="Estrangelo Edessa"/>
+        <a:font script="Syre" typeface="Estrangelo Edessa"/>
+        <a:font script="Sora" typeface="Nirmala UI"/>
+        <a:font script="Tale" typeface="Microsoft Tai Le"/>
+        <a:font script="Talu" typeface="Microsoft New Tai Lue"/>
+        <a:font script="Tfng" typeface="Ebrima"/>
+      </a:majorFont>
+      <a:minorFont>
+        <a:latin typeface="Calibri" panose="020F0502020204030204"/>
+        <a:ea typeface=""/>
+        <a:cs typeface=""/>
+        <a:font script="Jpan" typeface="游ゴシック"/>
+        <a:font script="Hang" typeface="맑은 고딕"/>
+        <a:font script="Hans" typeface="等线"/>
+        <a:font script="Hant" typeface="新細明體"/>
+        <a:font script="Arab" typeface="Arial"/>
+        <a:font script="Hebr" typeface="Arial"/>
+        <a:font script="Thai" typeface="Cordia New"/>
+        <a:font script="Ethi" typeface="Nyala"/>
+        <a:font script="Beng" typeface="Vrinda"/>
+        <a:font script="Gujr" typeface="Shruti"/>
+        <a:font script="Khmr" typeface="DaunPenh"/>
+        <a:font script="Knda" typeface="Tunga"/>
+        <a:font script="Guru" typeface="Raavi"/>
+        <a:font script="Cans" typeface="Euphemia"/>
+        <a:font script="Cher" typeface="Plantagenet Cherokee"/>
+        <a:font script="Yiii" typeface="Microsoft Yi Baiti"/>
+        <a:font script="Tibt" typeface="Microsoft Himalaya"/>
+        <a:font script="Thaa" typeface="MV Boli"/>
+        <a:font script="Deva" typeface="Mangal"/>
+        <a:font script="Telu" typeface="Gautami"/>
+        <a:font script="Taml" typeface="Latha"/>
+        <a:font script="Syrc" typeface="Estrangelo Edessa"/>
+        <a:font script="Orya" typeface="Kalinga"/>
+        <a:font script="Mlym" typeface="Kartika"/>
+        <a:font script="Laoo" typeface="DokChampa"/>
+        <a:font script="Sinh" typeface="Iskoola Pota"/>
+        <a:font script="Mong" typeface="Mongolian Baiti"/>
+        <a:font script="Viet" typeface="Arial"/>
+        <a:font script="Uigh" typeface="Microsoft Uighur"/>
+        <a:font script="Geor" typeface="Sylfaen"/>
+        <a:font script="Armn" typeface="Arial"/>
+        <a:font script="Bugi" typeface="Leelawadee UI"/>
+        <a:font script="Bopo" typeface="Microsoft JhengHei"/>
+        <a:font script="Java" typeface="Javanese Text"/>
+        <a:font script="Lisu" typeface="Segoe UI"/>
+        <a:font script="Mymr" typeface="Myanmar Text"/>
+        <a:font script="Nkoo" typeface="Ebrima"/>
+        <a:font script="Olck" typeface="Nirmala UI"/>
+        <a:font script="Osma" typeface="Ebrima"/>
+        <a:font script="Phag" typeface="Phagspa"/>
+        <a:font script="Syrn" typeface="Estrangelo Edessa"/>
+        <a:font script="Syrj" typeface="Estrangelo Edessa"/>
+        <a:font script="Syre" typeface="Estrangelo Edessa"/>
+        <a:font script="Sora" typeface="Nirmala UI"/>
+        <a:font script="Tale" typeface="Microsoft Tai Le"/>
+        <a:font script="Talu" typeface="Microsoft New Tai Lue"/>
+        <a:font script="Tfng" typeface="Ebrima"/>
+      </a:minorFont>
+    </a:fontScheme>
+    <a:fmtScheme name="Office">
+      <a:fillStyleLst>
+        <a:solidFill>
+          <a:schemeClr val="phClr"/>
+        </a:solidFill>
+        <a:gradFill rotWithShape="1">
+          <a:gsLst>
+            <a:gs pos="0">
+              <a:schemeClr val="phClr">
+                <a:lumMod val="110000"/>
+                <a:satMod val="105000"/>
+                <a:tint val="67000"/>
+              </a:schemeClr>
+            </a:gs>
+            <a:gs pos="50000">
+              <a:schemeClr val="phClr">
+                <a:lumMod val="105000"/>
+                <a:satMod val="103000"/>
+                <a:tint val="73000"/>
+              </a:schemeClr>
+            </a:gs>
+            <a:gs pos="100000">
+              <a:schemeClr val="phClr">
+                <a:lumMod val="105000"/>
+                <a:satMod val="109000"/>
+                <a:tint val="81000"/>
+              </a:schemeClr>
+            </a:gs>
+          </a:gsLst>
+          <a:lin ang="5400000" scaled="0"/>
+        </a:gradFill>
+        <a:gradFill rotWithShape="1">
+          <a:gsLst>
+            <a:gs pos="0">
+              <a:schemeClr val="phClr">
+                <a:satMod val="103000"/>
+                <a:lumMod val="102000"/>
+                <a:tint val="94000"/>
+              </a:schemeClr>
+            </a:gs>
+            <a:gs pos="50000">
+              <a:schemeClr val="phClr">
+                <a:satMod val="110000"/>
+                <a:lumMod val="100000"/>
+                <a:shade val="100000"/>
+              </a:schemeClr>
+            </a:gs>
+            <a:gs pos="100000">
+              <a:schemeClr val="phClr">
+                <a:lumMod val="99000"/>
+                <a:satMod val="120000"/>
+                <a:shade val="78000"/>
+              </a:schemeClr>
+            </a:gs>
+          </a:gsLst>
+          <a:lin ang="5400000" scaled="0"/>
+        </a:gradFill>
+      </a:fillStyleLst>
+      <a:lnStyleLst>
+        <a:ln w="6350" cap="flat" cmpd="sng" algn="ctr">
+          <a:solidFill>
+            <a:schemeClr val="phClr"/>
+          </a:solidFill>
+          <a:prstDash val="solid"/>
+          <a:miter lim="800000"/>
+        </a:ln>
+        <a:ln w="12700" cap="flat" cmpd="sng" algn="ctr">
+          <a:solidFill>
+            <a:schemeClr val="phClr"/>
+          </a:solidFill>
+          <a:prstDash val="solid"/>
+          <a:miter lim="800000"/>
+        </a:ln>
+        <a:ln w="19050" cap="flat" cmpd="sng" algn="ctr">
+          <a:solidFill>
+            <a:schemeClr val="phClr"/>
+          </a:solidFill>
+          <a:prstDash val="solid"/>
+          <a:miter lim="800000"/>
+        </a:ln>
+      </a:lnStyleLst>
+      <a:effectStyleLst>
+        <a:effectStyle>
+          <a:effectLst/>
+        </a:effectStyle>
+        <a:effectStyle>
+          <a:effectLst/>
+        </a:effectStyle>
+        <a:effectStyle>
+          <a:effectLst>
+            <a:outerShdw blurRad="57150" dist="19050" dir="5400000" algn="ctr" rotWithShape="0">
+              <a:srgbClr val="000000">
+                <a:alpha val="63000"/>
+              </a:srgbClr>
+            </a:outerShdw>
+          </a:effectLst>
+        </a:effectStyle>
+      </a:effectStyleLst>
+      <a:bgFillStyleLst>
+        <a:solidFill>
+          <a:schemeClr val="phClr"/>
+        </a:solidFill>
+        <a:solidFill>
+          <a:schemeClr val="phClr">
+            <a:tint val="95000"/>
+            <a:satMod val="170000"/>
+          </a:schemeClr>
+        </a:solidFill>
+        <a:gradFill rotWithShape="1">
+          <a:gsLst>
+            <a:gs pos="0">
+              <a:schemeClr val="phClr">
+                <a:tint val="93000"/>
+                <a:satMod val="150000"/>
+                <a:shade val="98000"/>
+                <a:lumMod val="102000"/>
+              </a:schemeClr>
+            </a:gs>
+            <a:gs pos="50000">
+              <a:schemeClr val="phClr">
+                <a:tint val="98000"/>
+                <a:satMod val="130000"/>
+                <a:shade val="90000"/>
+                <a:lumMod val="103000"/>
+              </a:schemeClr>
+            </a:gs>
+            <a:gs pos="100000">
+              <a:schemeClr val="phClr">
+                <a:shade val="63000"/>
+                <a:satMod val="120000"/>
+              </a:schemeClr>
+            </a:gs>
+          </a:gsLst>
+          <a:lin ang="5400000" scaled="0"/>
+        </a:gradFill>
+      </a:bgFillStyleLst>
+    </a:fmtScheme>
+  </a:themeElements>
+  <a:objectDefaults/>
+  <a:extraClrSchemeLst/>
+  <a:extLst>
+    <a:ext uri="{05A4C25C-085E-4340-85A3-A5531E510DB2}">
+      <thm15:themeFamily xmlns:thm15="http://schemas.microsoft.com/office/thememl/2012/main" name="Office Theme" id="{62F939B6-93AF-4DB8-9C6B-D6C7DFDC589F}" vid="{4A3C46E8-61CC-4603-A589-7422A47A8E4A}"/>
+    </a:ext>
+  </a:extLst>
+</a:theme>
 </file>